--- a/PowerPoint/Presentazione_Progetto.pptx
+++ b/PowerPoint/Presentazione_Progetto.pptx
@@ -4256,18 +4256,7 @@
                   <a:schemeClr val="bg1"/>
                 </a:solidFill>
               </a:rPr>
-              <a:t>Una volta inseriti i campi email e password si preme il bottone login.</a:t>
-            </a:r>
-          </a:p>
-          <a:p>
-            <a:pPr algn="l"/>
-            <a:r>
-              <a:rPr lang="it-IT" dirty="0">
-                <a:solidFill>
-                  <a:schemeClr val="bg1"/>
-                </a:solidFill>
-              </a:rPr>
-              <a:t>Il suddetto bottone attiva la funzione </a:t>
+              <a:t>Una volta inseriti i campi email e password si preme il bottone login e si è riportati sulla homepage che corrisponde alla pagina </a:t>
             </a:r>
             <a:r>
               <a:rPr lang="it-IT" b="1" dirty="0">
@@ -4275,21 +4264,8 @@
                   <a:schemeClr val="bg1"/>
                 </a:solidFill>
               </a:rPr>
-              <a:t>handelLogin </a:t>
-            </a:r>
-            <a:r>
-              <a:rPr lang="it-IT" dirty="0">
-                <a:solidFill>
-                  <a:schemeClr val="bg1"/>
-                </a:solidFill>
-              </a:rPr>
-              <a:t>che è innesca dei controlli attraverso un try catch. Se il controllo va a buon fine ci si ritrova sulla homepage oppure compare una notifica di errore.</a:t>
-            </a:r>
-            <a:endParaRPr lang="it-IT" b="1" dirty="0">
-              <a:solidFill>
-                <a:schemeClr val="bg1"/>
-              </a:solidFill>
-            </a:endParaRPr>
+              <a:t>Collection</a:t>
+            </a:r>
           </a:p>
         </p:txBody>
       </p:sp>
@@ -4390,13 +4366,13 @@
         </p:nvSpPr>
         <p:spPr>
           <a:xfrm>
-            <a:off x="2327991" y="1070864"/>
-            <a:ext cx="5128637" cy="1997635"/>
+            <a:off x="2327991" y="843359"/>
+            <a:ext cx="5128637" cy="3130665"/>
           </a:xfrm>
         </p:spPr>
         <p:txBody>
           <a:bodyPr>
-            <a:normAutofit/>
+            <a:normAutofit lnSpcReduction="10000"/>
           </a:bodyPr>
           <a:lstStyle/>
           <a:p>
@@ -4415,7 +4391,37 @@
                   <a:schemeClr val="bg1"/>
                 </a:solidFill>
               </a:rPr>
-              <a:t>: sono presenti collezioni già create dell’utente dove è possibile modificarle e eliminarle, ed eventualmente aggiungere altre collezioni </a:t>
+              <a:t>: sono presenti collezioni già create dell’utente dove è possibile modificarle e eliminarle, ed eventualmente aggiungere altre collezioni</a:t>
+            </a:r>
+          </a:p>
+          <a:p>
+            <a:pPr algn="l"/>
+            <a:r>
+              <a:rPr lang="it-IT" dirty="0">
+                <a:solidFill>
+                  <a:schemeClr val="bg1"/>
+                </a:solidFill>
+              </a:rPr>
+              <a:t>In una collezione ci possono essere n categorie</a:t>
+            </a:r>
+          </a:p>
+          <a:p>
+            <a:pPr algn="l"/>
+            <a:r>
+              <a:rPr lang="it-IT" dirty="0">
+                <a:solidFill>
+                  <a:schemeClr val="bg1"/>
+                </a:solidFill>
+              </a:rPr>
+              <a:t>Premendo su una collezione si accede sulla pagina </a:t>
+            </a:r>
+            <a:r>
+              <a:rPr lang="it-IT" b="1" dirty="0">
+                <a:solidFill>
+                  <a:schemeClr val="bg1"/>
+                </a:solidFill>
+              </a:rPr>
+              <a:t>category</a:t>
             </a:r>
           </a:p>
           <a:p>
@@ -4534,8 +4540,8 @@
         </p:nvSpPr>
         <p:spPr>
           <a:xfrm>
-            <a:off x="4735372" y="4407153"/>
-            <a:ext cx="5128637" cy="1938992"/>
+            <a:off x="4735372" y="4201528"/>
+            <a:ext cx="5128637" cy="2677656"/>
           </a:xfrm>
           <a:prstGeom prst="rect">
             <a:avLst/>
@@ -4563,7 +4569,23 @@
                   <a:schemeClr val="bg1"/>
                 </a:solidFill>
               </a:rPr>
-              <a:t>: sono presenti categorie già create dell’utente dove è possibile modificarle e eliminarle, ed eventualmente aggiungere altre categorie </a:t>
+              <a:t>: sono presenti categorie già create dell’utente dove è possibile modificarle e eliminarle, ed eventualmente aggiungere altre categorie. In una categoria ci sono n articoli. Premendo su una categoria si accede alla pagina </a:t>
+            </a:r>
+            <a:r>
+              <a:rPr lang="it-IT" sz="2400" b="1" dirty="0">
+                <a:solidFill>
+                  <a:schemeClr val="bg1"/>
+                </a:solidFill>
+              </a:rPr>
+              <a:t>Items</a:t>
+            </a:r>
+            <a:r>
+              <a:rPr lang="it-IT" sz="2400" dirty="0">
+                <a:solidFill>
+                  <a:schemeClr val="bg1"/>
+                </a:solidFill>
+              </a:rPr>
+              <a:t> </a:t>
             </a:r>
           </a:p>
         </p:txBody>
@@ -4582,7 +4604,7 @@
         </p:nvSpPr>
         <p:spPr>
           <a:xfrm>
-            <a:off x="5811962" y="3478306"/>
+            <a:off x="5811962" y="3378043"/>
             <a:ext cx="4052047" cy="1015663"/>
           </a:xfrm>
           <a:prstGeom prst="rect">
@@ -4598,7 +4620,7 @@
           <a:p>
             <a:pPr algn="ctr"/>
             <a:r>
-              <a:rPr lang="it-IT" sz="6000" dirty="0">
+              <a:rPr lang="it-IT" sz="6000" b="1" i="1" dirty="0">
                 <a:solidFill>
                   <a:schemeClr val="bg1">
                     <a:lumMod val="85000"/>
@@ -4624,8 +4646,8 @@
         </p:nvSpPr>
         <p:spPr>
           <a:xfrm>
-            <a:off x="2790287" y="183683"/>
-            <a:ext cx="3305713" cy="1015663"/>
+            <a:off x="2799252" y="0"/>
+            <a:ext cx="3376245" cy="1015663"/>
           </a:xfrm>
           <a:prstGeom prst="rect">
             <a:avLst/>
@@ -4639,7 +4661,7 @@
           <a:lstStyle/>
           <a:p>
             <a:r>
-              <a:rPr lang="it-IT" sz="6000" dirty="0">
+              <a:rPr lang="it-IT" sz="6000" b="1" i="1" dirty="0">
                 <a:solidFill>
                   <a:schemeClr val="bg1">
                     <a:lumMod val="85000"/>
@@ -4822,7 +4844,7 @@
         <p:spPr>
           <a:xfrm>
             <a:off x="6096000" y="3105832"/>
-            <a:ext cx="2899896" cy="1015663"/>
+            <a:ext cx="2985369" cy="1015663"/>
           </a:xfrm>
           <a:prstGeom prst="rect">
             <a:avLst/>
@@ -4836,7 +4858,7 @@
           <a:lstStyle/>
           <a:p>
             <a:r>
-              <a:rPr lang="it-IT" sz="6000" dirty="0">
+              <a:rPr lang="it-IT" sz="6000" b="1" i="1" dirty="0">
                 <a:solidFill>
                   <a:schemeClr val="bg1">
                     <a:lumMod val="85000"/>
@@ -4863,7 +4885,7 @@
         <p:spPr>
           <a:xfrm>
             <a:off x="3765846" y="-130963"/>
-            <a:ext cx="1926874" cy="1015663"/>
+            <a:ext cx="1965859" cy="1015663"/>
           </a:xfrm>
           <a:prstGeom prst="rect">
             <a:avLst/>
@@ -4877,7 +4899,7 @@
           <a:lstStyle/>
           <a:p>
             <a:r>
-              <a:rPr lang="it-IT" sz="6000" dirty="0">
+              <a:rPr lang="it-IT" sz="6000" b="1" dirty="0">
                 <a:solidFill>
                   <a:schemeClr val="bg1">
                     <a:lumMod val="85000"/>
@@ -4931,7 +4953,7 @@
                   <a:schemeClr val="bg1"/>
                 </a:solidFill>
               </a:rPr>
-              <a:t>: rappresenta tutti gli articoli presenti in una collezione/categoria. Dove è possibile </a:t>
+              <a:t>: rappresenta tutti gli articoli presenti in una </a:t>
             </a:r>
             <a:r>
               <a:rPr lang="it-IT" sz="2400" b="1" dirty="0">
@@ -4939,6 +4961,22 @@
                   <a:schemeClr val="bg1"/>
                 </a:solidFill>
               </a:rPr>
+              <a:t>categoria</a:t>
+            </a:r>
+            <a:r>
+              <a:rPr lang="it-IT" sz="2400" dirty="0">
+                <a:solidFill>
+                  <a:schemeClr val="bg1"/>
+                </a:solidFill>
+              </a:rPr>
+              <a:t>. Dove è possibile </a:t>
+            </a:r>
+            <a:r>
+              <a:rPr lang="it-IT" sz="2400" b="1" dirty="0">
+                <a:solidFill>
+                  <a:schemeClr val="bg1"/>
+                </a:solidFill>
+              </a:rPr>
               <a:t>aggiungere</a:t>
             </a:r>
             <a:r>
@@ -4979,7 +5017,7 @@
                   <a:schemeClr val="bg1"/>
                 </a:solidFill>
               </a:rPr>
-              <a:t> gli articoli. È presente una barra di ricerca per filtrare gli articoli</a:t>
+              <a:t> gli articoli. È presente una barra di ricerca per filtrare gli articoli in base al nome e al brand</a:t>
             </a:r>
           </a:p>
         </p:txBody>
@@ -4999,7 +5037,7 @@
         <p:spPr>
           <a:xfrm>
             <a:off x="4098515" y="4060631"/>
-            <a:ext cx="5622912" cy="2215991"/>
+            <a:ext cx="5622912" cy="2585323"/>
           </a:xfrm>
           <a:prstGeom prst="rect">
             <a:avLst/>
@@ -5059,7 +5097,7 @@
                   <a:schemeClr val="bg1"/>
                 </a:solidFill>
               </a:rPr>
-              <a:t> gli articoli. È presente una barra di ricerca per filtrare gli articoli</a:t>
+              <a:t> gli articoli. È presente una barra di ricerca per filtrare gli articoli in base al nome, al brand e alla categoria</a:t>
             </a:r>
           </a:p>
           <a:p>
